--- a/assets/images/logos.pptx
+++ b/assets/images/logos.pptx
@@ -5835,6 +5835,48 @@
           <a:chExt cx="0" cy="0"/>
         </a:xfrm>
       </p:grpSpPr>
+      <p:pic>
+        <p:nvPicPr>
+          <p:cNvPr id="3" name="Picture 2" descr="A picture containing bird&#10;&#10;Description automatically generated">
+            <a:extLst>
+              <a:ext uri="{FF2B5EF4-FFF2-40B4-BE49-F238E27FC236}">
+                <a16:creationId xmlns:a16="http://schemas.microsoft.com/office/drawing/2014/main" id="{B1914B36-C9EC-B24A-89BE-EA58698628EF}"/>
+              </a:ext>
+            </a:extLst>
+          </p:cNvPr>
+          <p:cNvPicPr>
+            <a:picLocks noChangeAspect="1"/>
+          </p:cNvPicPr>
+          <p:nvPr/>
+        </p:nvPicPr>
+        <p:blipFill>
+          <a:blip r:embed="rId2">
+            <a:extLst>
+              <a:ext uri="{BEBA8EAE-BF5A-486C-A8C5-ECC9F3942E4B}">
+                <a14:imgProps xmlns:a14="http://schemas.microsoft.com/office/drawing/2010/main">
+                  <a14:imgLayer r:embed="rId3">
+                    <a14:imgEffect>
+                      <a14:saturation sat="33000"/>
+                    </a14:imgEffect>
+                  </a14:imgLayer>
+                </a14:imgProps>
+              </a:ext>
+            </a:extLst>
+          </a:blip>
+          <a:stretch>
+            <a:fillRect/>
+          </a:stretch>
+        </p:blipFill>
+        <p:spPr>
+          <a:xfrm>
+            <a:off x="5556" y="5556"/>
+            <a:ext cx="7188200" cy="7188200"/>
+          </a:xfrm>
+          <a:prstGeom prst="rect">
+            <a:avLst/>
+          </a:prstGeom>
+        </p:spPr>
+      </p:pic>
     </p:spTree>
     <p:extLst>
       <p:ext uri="{BB962C8B-B14F-4D97-AF65-F5344CB8AC3E}">
